--- a/2_design/pso/GeneralPSO.pptx
+++ b/2_design/pso/GeneralPSO.pptx
@@ -5,7 +5,7 @@
     <p:sldMasterId id="2147483648" r:id="rId1"/>
   </p:sldMasterIdLst>
   <p:notesMasterIdLst>
-    <p:notesMasterId r:id="rId24"/>
+    <p:notesMasterId r:id="rId25"/>
   </p:notesMasterIdLst>
   <p:sldIdLst>
     <p:sldId id="256" r:id="rId2"/>
@@ -27,9 +27,10 @@
     <p:sldId id="382" r:id="rId18"/>
     <p:sldId id="368" r:id="rId19"/>
     <p:sldId id="383" r:id="rId20"/>
-    <p:sldId id="369" r:id="rId21"/>
-    <p:sldId id="311" r:id="rId22"/>
+    <p:sldId id="384" r:id="rId21"/>
+    <p:sldId id="369" r:id="rId22"/>
     <p:sldId id="370" r:id="rId23"/>
+    <p:sldId id="311" r:id="rId24"/>
   </p:sldIdLst>
   <p:sldSz cx="12192000" cy="6858000"/>
   <p:notesSz cx="6858000" cy="9144000"/>
@@ -221,7 +222,7 @@
           <a:p>
             <a:fld id="{8E6BD8EF-833A-4756-9DE8-262172883D9B}" type="datetimeFigureOut">
               <a:rPr lang="en-US" smtClean="0"/>
-              <a:t>20/03/2021</a:t>
+              <a:t>28/05/2022</a:t>
             </a:fld>
             <a:endParaRPr lang="en-US"/>
           </a:p>
@@ -637,7 +638,7 @@
           <a:p>
             <a:fld id="{583153D4-6007-4D70-A0D5-F421EBC11E1D}" type="slidenum">
               <a:rPr lang="en-US" smtClean="0"/>
-              <a:t>21</a:t>
+              <a:t>23</a:t>
             </a:fld>
             <a:endParaRPr lang="en-US"/>
           </a:p>
@@ -3370,7 +3371,7 @@
           <a:p>
             <a:r>
               <a:rPr lang="en-US"/>
-              <a:t>20/03/2021</a:t>
+              <a:t>20/10/2022</a:t>
             </a:r>
           </a:p>
         </p:txBody>
@@ -3399,7 +3400,7 @@
           <a:p>
             <a:r>
               <a:rPr lang="en-US"/>
-              <a:t>A general framework of PSO - Loc Nguyen - VIT</a:t>
+              <a:t>A general framework of PSO - Loc Nguyen - FTC2022</a:t>
             </a:r>
           </a:p>
         </p:txBody>
@@ -3600,7 +3601,7 @@
           <a:p>
             <a:r>
               <a:rPr lang="en-US"/>
-              <a:t>20/03/2021</a:t>
+              <a:t>20/10/2022</a:t>
             </a:r>
           </a:p>
         </p:txBody>
@@ -3629,7 +3630,7 @@
           <a:p>
             <a:r>
               <a:rPr lang="en-US"/>
-              <a:t>A general framework of PSO - Loc Nguyen - VIT</a:t>
+              <a:t>A general framework of PSO - Loc Nguyen - FTC2022</a:t>
             </a:r>
           </a:p>
         </p:txBody>
@@ -3840,7 +3841,7 @@
           <a:p>
             <a:r>
               <a:rPr lang="en-US"/>
-              <a:t>20/03/2021</a:t>
+              <a:t>20/10/2022</a:t>
             </a:r>
           </a:p>
         </p:txBody>
@@ -3869,7 +3870,7 @@
           <a:p>
             <a:r>
               <a:rPr lang="en-US"/>
-              <a:t>A general framework of PSO - Loc Nguyen - VIT</a:t>
+              <a:t>A general framework of PSO - Loc Nguyen - FTC2022</a:t>
             </a:r>
           </a:p>
         </p:txBody>
@@ -4113,7 +4114,7 @@
           <a:p>
             <a:r>
               <a:rPr lang="en-US"/>
-              <a:t>20/03/2021</a:t>
+              <a:t>20/10/2022</a:t>
             </a:r>
           </a:p>
         </p:txBody>
@@ -4142,7 +4143,7 @@
           <a:p>
             <a:r>
               <a:rPr lang="en-US"/>
-              <a:t>A general framework of PSO - Loc Nguyen - VIT</a:t>
+              <a:t>A general framework of PSO - Loc Nguyen - FTC2022</a:t>
             </a:r>
           </a:p>
         </p:txBody>
@@ -4387,7 +4388,7 @@
           <a:p>
             <a:r>
               <a:rPr lang="en-US"/>
-              <a:t>20/03/2021</a:t>
+              <a:t>20/10/2022</a:t>
             </a:r>
           </a:p>
         </p:txBody>
@@ -4416,7 +4417,7 @@
           <a:p>
             <a:r>
               <a:rPr lang="en-US"/>
-              <a:t>A general framework of PSO - Loc Nguyen - VIT</a:t>
+              <a:t>A general framework of PSO - Loc Nguyen - FTC2022</a:t>
             </a:r>
           </a:p>
         </p:txBody>
@@ -4709,7 +4710,7 @@
           <a:p>
             <a:r>
               <a:rPr lang="en-US"/>
-              <a:t>20/03/2021</a:t>
+              <a:t>20/10/2022</a:t>
             </a:r>
           </a:p>
         </p:txBody>
@@ -4738,7 +4739,7 @@
           <a:p>
             <a:r>
               <a:rPr lang="en-US"/>
-              <a:t>A general framework of PSO - Loc Nguyen - VIT</a:t>
+              <a:t>A general framework of PSO - Loc Nguyen - FTC2022</a:t>
             </a:r>
           </a:p>
         </p:txBody>
@@ -5172,7 +5173,7 @@
           <a:p>
             <a:r>
               <a:rPr lang="en-US"/>
-              <a:t>20/03/2021</a:t>
+              <a:t>20/10/2022</a:t>
             </a:r>
           </a:p>
         </p:txBody>
@@ -5201,7 +5202,7 @@
           <a:p>
             <a:r>
               <a:rPr lang="en-US"/>
-              <a:t>A general framework of PSO - Loc Nguyen - VIT</a:t>
+              <a:t>A general framework of PSO - Loc Nguyen - FTC2022</a:t>
             </a:r>
           </a:p>
         </p:txBody>
@@ -5320,7 +5321,7 @@
           <a:p>
             <a:r>
               <a:rPr lang="en-US"/>
-              <a:t>20/03/2021</a:t>
+              <a:t>20/10/2022</a:t>
             </a:r>
           </a:p>
         </p:txBody>
@@ -5349,7 +5350,7 @@
           <a:p>
             <a:r>
               <a:rPr lang="en-US"/>
-              <a:t>A general framework of PSO - Loc Nguyen - VIT</a:t>
+              <a:t>A general framework of PSO - Loc Nguyen - FTC2022</a:t>
             </a:r>
           </a:p>
         </p:txBody>
@@ -5439,7 +5440,7 @@
           <a:p>
             <a:r>
               <a:rPr lang="en-US"/>
-              <a:t>20/03/2021</a:t>
+              <a:t>20/10/2022</a:t>
             </a:r>
           </a:p>
         </p:txBody>
@@ -5468,7 +5469,7 @@
           <a:p>
             <a:r>
               <a:rPr lang="en-US"/>
-              <a:t>A general framework of PSO - Loc Nguyen - VIT</a:t>
+              <a:t>A general framework of PSO - Loc Nguyen - FTC2022</a:t>
             </a:r>
           </a:p>
         </p:txBody>
@@ -5759,7 +5760,7 @@
           <a:p>
             <a:r>
               <a:rPr lang="en-US"/>
-              <a:t>20/03/2021</a:t>
+              <a:t>20/10/2022</a:t>
             </a:r>
           </a:p>
         </p:txBody>
@@ -5788,7 +5789,7 @@
           <a:p>
             <a:r>
               <a:rPr lang="en-US"/>
-              <a:t>A general framework of PSO - Loc Nguyen - VIT</a:t>
+              <a:t>A general framework of PSO - Loc Nguyen - FTC2022</a:t>
             </a:r>
           </a:p>
         </p:txBody>
@@ -6044,7 +6045,7 @@
           <a:p>
             <a:r>
               <a:rPr lang="en-US"/>
-              <a:t>20/03/2021</a:t>
+              <a:t>20/10/2022</a:t>
             </a:r>
           </a:p>
         </p:txBody>
@@ -6073,7 +6074,7 @@
           <a:p>
             <a:r>
               <a:rPr lang="en-US"/>
-              <a:t>A general framework of PSO - Loc Nguyen - VIT</a:t>
+              <a:t>A general framework of PSO - Loc Nguyen - FTC2022</a:t>
             </a:r>
           </a:p>
         </p:txBody>
@@ -6274,7 +6275,7 @@
           <a:p>
             <a:r>
               <a:rPr lang="en-US"/>
-              <a:t>20/03/2021</a:t>
+              <a:t>20/10/2022</a:t>
             </a:r>
           </a:p>
         </p:txBody>
@@ -6316,7 +6317,7 @@
           <a:p>
             <a:r>
               <a:rPr lang="en-US"/>
-              <a:t>A general framework of PSO - Loc Nguyen - VIT</a:t>
+              <a:t>A general framework of PSO - Loc Nguyen - FTC2022</a:t>
             </a:r>
           </a:p>
         </p:txBody>
@@ -6748,13 +6749,18 @@
           <a:p>
             <a:r>
               <a:rPr lang="en-US" dirty="0"/>
-              <a:t>Prof. Dr. Loc Nguyen</a:t>
-            </a:r>
+              <a:t>Prof. Dr. Loc Nguyen, PhD, </a:t>
+            </a:r>
+            <a:r>
+              <a:rPr lang="en-US" dirty="0" err="1"/>
+              <a:t>PostDoc</a:t>
+            </a:r>
+            <a:endParaRPr lang="en-US" dirty="0"/>
           </a:p>
           <a:p>
             <a:r>
               <a:rPr lang="en-US" dirty="0"/>
-              <a:t>Independent scholar, Vietnam</a:t>
+              <a:t>Founder of Loc Nguyen’s Academic Network, Vietnam</a:t>
             </a:r>
           </a:p>
           <a:p>
@@ -6791,7 +6797,7 @@
           <a:p>
             <a:r>
               <a:rPr lang="en-US"/>
-              <a:t>A general framework of PSO - Loc Nguyen - VIT</a:t>
+              <a:t>A general framework of PSO - Loc Nguyen - FTC2022</a:t>
             </a:r>
           </a:p>
         </p:txBody>
@@ -6813,7 +6819,7 @@
           <a:p>
             <a:r>
               <a:rPr lang="en-US"/>
-              <a:t>20/03/2021</a:t>
+              <a:t>20/10/2022</a:t>
             </a:r>
           </a:p>
         </p:txBody>
@@ -6856,8 +6862,8 @@
         </p:nvSpPr>
         <p:spPr>
           <a:xfrm>
-            <a:off x="1145029" y="751019"/>
-            <a:ext cx="9901942" cy="830997"/>
+            <a:off x="2530312" y="751019"/>
+            <a:ext cx="7131375" cy="830997"/>
           </a:xfrm>
           <a:prstGeom prst="rect">
             <a:avLst/>
@@ -6876,7 +6882,7 @@
                 <a:latin typeface="Times New Roman" panose="02020603050405020304" pitchFamily="18" charset="0"/>
                 <a:cs typeface="Times New Roman" panose="02020603050405020304" pitchFamily="18" charset="0"/>
               </a:rPr>
-              <a:t>VIT Bhopal University - School of Advanced Sciences and Languages (SASL)</a:t>
+              <a:t>FTC 2022 - Future Technologies Conference 2022</a:t>
             </a:r>
           </a:p>
           <a:p>
@@ -6886,7 +6892,7 @@
                 <a:latin typeface="Times New Roman" panose="02020603050405020304" pitchFamily="18" charset="0"/>
                 <a:cs typeface="Times New Roman" panose="02020603050405020304" pitchFamily="18" charset="0"/>
               </a:rPr>
-              <a:t>International Workshop, March 20, 2021</a:t>
+              <a:t>20-21 October 2022 | Hybrid Event | Vancouver, Canada</a:t>
             </a:r>
           </a:p>
         </p:txBody>
@@ -7568,7 +7574,7 @@
           <a:p>
             <a:r>
               <a:rPr lang="en-US"/>
-              <a:t>20/03/2021</a:t>
+              <a:t>20/10/2022</a:t>
             </a:r>
           </a:p>
         </p:txBody>
@@ -7596,7 +7602,7 @@
           <a:p>
             <a:r>
               <a:rPr lang="en-US"/>
-              <a:t>A general framework of PSO - Loc Nguyen - VIT</a:t>
+              <a:t>A general framework of PSO - Loc Nguyen - FTC2022</a:t>
             </a:r>
           </a:p>
         </p:txBody>
@@ -8424,7 +8430,7 @@
           <a:p>
             <a:r>
               <a:rPr lang="en-US"/>
-              <a:t>20/03/2021</a:t>
+              <a:t>20/10/2022</a:t>
             </a:r>
           </a:p>
         </p:txBody>
@@ -8452,7 +8458,7 @@
           <a:p>
             <a:r>
               <a:rPr lang="en-US"/>
-              <a:t>A general framework of PSO - Loc Nguyen - VIT</a:t>
+              <a:t>A general framework of PSO - Loc Nguyen - FTC2022</a:t>
             </a:r>
           </a:p>
         </p:txBody>
@@ -8616,7 +8622,7 @@
           <a:p>
             <a:r>
               <a:rPr lang="en-US"/>
-              <a:t>20/03/2021</a:t>
+              <a:t>20/10/2022</a:t>
             </a:r>
           </a:p>
         </p:txBody>
@@ -8644,7 +8650,7 @@
           <a:p>
             <a:r>
               <a:rPr lang="en-US"/>
-              <a:t>A general framework of PSO - Loc Nguyen - VIT</a:t>
+              <a:t>A general framework of PSO - Loc Nguyen - FTC2022</a:t>
             </a:r>
           </a:p>
         </p:txBody>
@@ -8806,7 +8812,7 @@
           <a:p>
             <a:r>
               <a:rPr lang="en-US"/>
-              <a:t>20/03/2021</a:t>
+              <a:t>20/10/2022</a:t>
             </a:r>
           </a:p>
         </p:txBody>
@@ -8828,7 +8834,7 @@
           <a:p>
             <a:r>
               <a:rPr lang="en-US"/>
-              <a:t>A general framework of PSO - Loc Nguyen - VIT</a:t>
+              <a:t>A general framework of PSO - Loc Nguyen - FTC2022</a:t>
             </a:r>
           </a:p>
         </p:txBody>
@@ -9727,7 +9733,7 @@
           <a:p>
             <a:r>
               <a:rPr lang="en-US"/>
-              <a:t>20/03/2021</a:t>
+              <a:t>20/10/2022</a:t>
             </a:r>
           </a:p>
         </p:txBody>
@@ -9755,7 +9761,7 @@
           <a:p>
             <a:r>
               <a:rPr lang="en-US"/>
-              <a:t>A general framework of PSO - Loc Nguyen - VIT</a:t>
+              <a:t>A general framework of PSO - Loc Nguyen - FTC2022</a:t>
             </a:r>
           </a:p>
         </p:txBody>
@@ -10199,7 +10205,7 @@
           <a:p>
             <a:r>
               <a:rPr lang="en-US"/>
-              <a:t>20/03/2021</a:t>
+              <a:t>20/10/2022</a:t>
             </a:r>
           </a:p>
         </p:txBody>
@@ -10227,7 +10233,7 @@
           <a:p>
             <a:r>
               <a:rPr lang="en-US"/>
-              <a:t>A general framework of PSO - Loc Nguyen - VIT</a:t>
+              <a:t>A general framework of PSO - Loc Nguyen - FTC2022</a:t>
             </a:r>
           </a:p>
         </p:txBody>
@@ -12453,7 +12459,7 @@
           <a:p>
             <a:r>
               <a:rPr lang="en-US"/>
-              <a:t>20/03/2021</a:t>
+              <a:t>20/10/2022</a:t>
             </a:r>
           </a:p>
         </p:txBody>
@@ -12481,7 +12487,7 @@
           <a:p>
             <a:r>
               <a:rPr lang="en-US"/>
-              <a:t>A general framework of PSO - Loc Nguyen - VIT</a:t>
+              <a:t>A general framework of PSO - Loc Nguyen - FTC2022</a:t>
             </a:r>
           </a:p>
         </p:txBody>
@@ -12711,21 +12717,8 @@
                   <a:srgbClr val="0000FF"/>
                 </a:solidFill>
               </a:rPr>
-              <a:t>github.com/locnguyenacademic/sim/tree/master/3_implementation/src/net/</a:t>
-            </a:r>
-            <a:r>
-              <a:rPr lang="en-US" sz="2400" dirty="0" err="1">
-                <a:solidFill>
-                  <a:srgbClr val="0000FF"/>
-                </a:solidFill>
-              </a:rPr>
-              <a:t>pso</a:t>
-            </a:r>
-            <a:endParaRPr lang="en-US" sz="2400" dirty="0">
-              <a:solidFill>
-                <a:srgbClr val="0000FF"/>
-              </a:solidFill>
-            </a:endParaRPr>
+              <a:t>https://github.com/ngphloc/ai/tree/main/3_implementation/src/net/ea/pso</a:t>
+            </a:r>
           </a:p>
         </p:txBody>
       </p:sp>
@@ -12752,7 +12745,7 @@
           <a:p>
             <a:r>
               <a:rPr lang="en-US"/>
-              <a:t>20/03/2021</a:t>
+              <a:t>20/10/2022</a:t>
             </a:r>
           </a:p>
         </p:txBody>
@@ -12780,7 +12773,7 @@
           <a:p>
             <a:r>
               <a:rPr lang="en-US"/>
-              <a:t>A general framework of PSO - Loc Nguyen - VIT</a:t>
+              <a:t>A general framework of PSO - Loc Nguyen - FTC2022</a:t>
             </a:r>
           </a:p>
         </p:txBody>
@@ -13947,7 +13940,7 @@
           <a:p>
             <a:r>
               <a:rPr lang="en-US"/>
-              <a:t>20/03/2021</a:t>
+              <a:t>20/10/2022</a:t>
             </a:r>
           </a:p>
         </p:txBody>
@@ -13969,7 +13962,7 @@
           <a:p>
             <a:r>
               <a:rPr lang="en-US"/>
-              <a:t>A general framework of PSO - Loc Nguyen - VIT</a:t>
+              <a:t>A general framework of PSO - Loc Nguyen - FTC2022</a:t>
             </a:r>
           </a:p>
         </p:txBody>
@@ -14167,7 +14160,7 @@
           <a:p>
             <a:r>
               <a:rPr lang="en-US"/>
-              <a:t>20/03/2021</a:t>
+              <a:t>20/10/2022</a:t>
             </a:r>
             <a:endParaRPr lang="en-US" dirty="0"/>
           </a:p>
@@ -14196,7 +14189,7 @@
           <a:p>
             <a:r>
               <a:rPr lang="en-US"/>
-              <a:t>A general framework of PSO - Loc Nguyen - VIT</a:t>
+              <a:t>A general framework of PSO - Loc Nguyen - FTC2022</a:t>
             </a:r>
           </a:p>
         </p:txBody>
@@ -15010,7 +15003,7 @@
           <a:p>
             <a:r>
               <a:rPr lang="en-US"/>
-              <a:t>A general framework of PSO - Loc Nguyen - VIT</a:t>
+              <a:t>A general framework of PSO - Loc Nguyen - FTC2022</a:t>
             </a:r>
             <a:endParaRPr lang="en-US" dirty="0"/>
           </a:p>
@@ -15033,7 +15026,7 @@
           <a:p>
             <a:r>
               <a:rPr lang="en-US"/>
-              <a:t>20/03/2021</a:t>
+              <a:t>20/10/2022</a:t>
             </a:r>
           </a:p>
         </p:txBody>
@@ -15070,7 +15063,13 @@
       </p:grpSpPr>
       <p:sp>
         <p:nvSpPr>
-          <p:cNvPr id="2" name="Title 1"/>
+          <p:cNvPr id="2" name="Title 1">
+            <a:extLst>
+              <a:ext uri="{FF2B5EF4-FFF2-40B4-BE49-F238E27FC236}">
+                <a16:creationId xmlns:a16="http://schemas.microsoft.com/office/drawing/2014/main" id="{24ABB4FE-BC2A-869A-7DCA-B2529A9F9727}"/>
+              </a:ext>
+            </a:extLst>
+          </p:cNvPr>
           <p:cNvSpPr>
             <a:spLocks noGrp="1"/>
           </p:cNvSpPr>
@@ -15085,14 +15084,20 @@
           <a:p>
             <a:r>
               <a:rPr lang="en-US" dirty="0"/>
-              <a:t>4. Conclusions</a:t>
+              <a:t>3. Experimental results</a:t>
             </a:r>
           </a:p>
         </p:txBody>
       </p:sp>
       <p:sp>
         <p:nvSpPr>
-          <p:cNvPr id="3" name="Content Placeholder 2"/>
+          <p:cNvPr id="3" name="Content Placeholder 2">
+            <a:extLst>
+              <a:ext uri="{FF2B5EF4-FFF2-40B4-BE49-F238E27FC236}">
+                <a16:creationId xmlns:a16="http://schemas.microsoft.com/office/drawing/2014/main" id="{858B59CD-4EF3-7F6C-7C44-A9384F3BEAB5}"/>
+              </a:ext>
+            </a:extLst>
+          </p:cNvPr>
           <p:cNvSpPr>
             <a:spLocks noGrp="1"/>
           </p:cNvSpPr>
@@ -15103,36 +15108,39 @@
         <p:spPr/>
         <p:txBody>
           <a:bodyPr>
-            <a:normAutofit fontScale="77500" lnSpcReduction="20000"/>
+            <a:noAutofit/>
           </a:bodyPr>
           <a:lstStyle/>
           <a:p>
-            <a:pPr>
-              <a:lnSpc>
-                <a:spcPct val="120000"/>
-              </a:lnSpc>
-            </a:pPr>
-            <a:r>
-              <a:rPr lang="en-US" dirty="0"/>
-              <a:t>The first purpose of GPSO which is to aggregate important parameters and to generalize important variants is completed with the general form of velocity update rule but the second purpose which is to balance the two PSO properties such as exploration and exploitation is reached at moderate rate although experimental results showed that GPSO and probabilistic GPSO are better than basic PSO due to combination of local best topology and global best topology along with definition of probabilistic constriction coefficient which proved improvement of global convergence. The reason of balance at moderate rate is that dynamic topology in GPSO is supported indirectly via general form of velocity update rule, which is impractical because researchers must modify source code of GPSO in order to define dynamic topology.</a:t>
-            </a:r>
-          </a:p>
-          <a:p>
-            <a:pPr>
-              <a:lnSpc>
-                <a:spcPct val="120000"/>
-              </a:lnSpc>
-            </a:pPr>
-            <a:r>
-              <a:rPr lang="en-US" dirty="0"/>
-              <a:t>Moreover, premature problem is solved by many other solutions such as dynamic topology, change of fitness function, adaptation (tuning coefficients, adding particles, removing particles, changing particle properties), and diversity control over iterations. In future trend, I will implement dynamic solutions as much as possible.</a:t>
-            </a:r>
+            <a:r>
+              <a:rPr lang="en-US" sz="2600" dirty="0">
+                <a:effectLst/>
+                <a:ea typeface="SimSun" panose="02010600030101010101" pitchFamily="2" charset="-122"/>
+              </a:rPr>
+              <a:t>About fitness bias, probabilistic GPSO is 27 times better than normal GPSO, which implies that the exploitation is as important as the exploration. In some situations where there are many local optimizers, reaching a good enough local optimizer can be acceptable and more feasible than reaching the global optimizer absolutely. Practical PSO attracts researchers’ attention because it solves the complexity problem of pure mathematics in global optimization which gets stuck in how to find assuredly the global optimizer. Therefore, that the probabilistic GPSO improves convergence speed is meaningful.</a:t>
+            </a:r>
+          </a:p>
+          <a:p>
+            <a:r>
+              <a:rPr lang="en-US" sz="2600" dirty="0">
+                <a:effectLst/>
+                <a:ea typeface="SimSun" panose="02010600030101010101" pitchFamily="2" charset="-122"/>
+              </a:rPr>
+              <a:t>Moreover, it does not restrict the dynamics of particles. Indeed, it keeps the dynamics of particles towards optimal trends with support of probabilistic distribution. Thus, it also balances two PSO properties such as exploration and exploitation.</a:t>
+            </a:r>
+            <a:endParaRPr lang="en-US" sz="2600" dirty="0"/>
           </a:p>
         </p:txBody>
       </p:sp>
       <p:sp>
         <p:nvSpPr>
-          <p:cNvPr id="4" name="Date Placeholder 3"/>
+          <p:cNvPr id="4" name="Date Placeholder 3">
+            <a:extLst>
+              <a:ext uri="{FF2B5EF4-FFF2-40B4-BE49-F238E27FC236}">
+                <a16:creationId xmlns:a16="http://schemas.microsoft.com/office/drawing/2014/main" id="{26BD147B-958C-97CC-CA14-2FACED2EA446}"/>
+              </a:ext>
+            </a:extLst>
+          </p:cNvPr>
           <p:cNvSpPr>
             <a:spLocks noGrp="1"/>
           </p:cNvSpPr>
@@ -15147,14 +15155,20 @@
           <a:p>
             <a:r>
               <a:rPr lang="en-US"/>
-              <a:t>20/03/2021</a:t>
+              <a:t>20/10/2022</a:t>
             </a:r>
           </a:p>
         </p:txBody>
       </p:sp>
       <p:sp>
         <p:nvSpPr>
-          <p:cNvPr id="5" name="Footer Placeholder 4"/>
+          <p:cNvPr id="5" name="Footer Placeholder 4">
+            <a:extLst>
+              <a:ext uri="{FF2B5EF4-FFF2-40B4-BE49-F238E27FC236}">
+                <a16:creationId xmlns:a16="http://schemas.microsoft.com/office/drawing/2014/main" id="{991059D2-15C4-4C84-17E5-6EF31B1B8836}"/>
+              </a:ext>
+            </a:extLst>
+          </p:cNvPr>
           <p:cNvSpPr>
             <a:spLocks noGrp="1"/>
           </p:cNvSpPr>
@@ -15169,14 +15183,20 @@
           <a:p>
             <a:r>
               <a:rPr lang="en-US"/>
-              <a:t>A general framework of PSO - Loc Nguyen - VIT</a:t>
+              <a:t>A general framework of PSO - Loc Nguyen - FTC2022</a:t>
             </a:r>
           </a:p>
         </p:txBody>
       </p:sp>
       <p:sp>
         <p:nvSpPr>
-          <p:cNvPr id="6" name="Slide Number Placeholder 5"/>
+          <p:cNvPr id="6" name="Slide Number Placeholder 5">
+            <a:extLst>
+              <a:ext uri="{FF2B5EF4-FFF2-40B4-BE49-F238E27FC236}">
+                <a16:creationId xmlns:a16="http://schemas.microsoft.com/office/drawing/2014/main" id="{C88F6444-2E1F-4023-5BD6-5884E55CA325}"/>
+              </a:ext>
+            </a:extLst>
+          </p:cNvPr>
           <p:cNvSpPr>
             <a:spLocks noGrp="1"/>
           </p:cNvSpPr>
@@ -15201,7 +15221,7 @@
     </p:spTree>
     <p:extLst>
       <p:ext uri="{BB962C8B-B14F-4D97-AF65-F5344CB8AC3E}">
-        <p14:creationId xmlns:p14="http://schemas.microsoft.com/office/powerpoint/2010/main" val="3414256873"/>
+        <p14:creationId xmlns:p14="http://schemas.microsoft.com/office/powerpoint/2010/main" val="2213616956"/>
       </p:ext>
     </p:extLst>
   </p:cSld>
@@ -15238,29 +15258,108 @@
             <p:ph type="title"/>
           </p:nvPr>
         </p:nvSpPr>
-        <p:spPr>
-          <a:xfrm>
-            <a:off x="838200" y="2748159"/>
-            <a:ext cx="10515600" cy="660486"/>
-          </a:xfrm>
-        </p:spPr>
+        <p:spPr/>
+        <p:txBody>
+          <a:bodyPr/>
+          <a:lstStyle/>
+          <a:p>
+            <a:r>
+              <a:rPr lang="en-US" dirty="0"/>
+              <a:t>4. Conclusions</a:t>
+            </a:r>
+          </a:p>
+        </p:txBody>
+      </p:sp>
+      <p:sp>
+        <p:nvSpPr>
+          <p:cNvPr id="3" name="Content Placeholder 2"/>
+          <p:cNvSpPr>
+            <a:spLocks noGrp="1"/>
+          </p:cNvSpPr>
+          <p:nvPr>
+            <p:ph idx="1"/>
+          </p:nvPr>
+        </p:nvSpPr>
+        <p:spPr/>
         <p:txBody>
           <a:bodyPr>
             <a:noAutofit/>
           </a:bodyPr>
           <a:lstStyle/>
           <a:p>
-            <a:pPr algn="ctr"/>
-            <a:r>
-              <a:rPr lang="en-US" sz="5000" dirty="0"/>
-              <a:t>Thank you for attention</a:t>
+            <a:r>
+              <a:rPr lang="en-US" sz="2100" dirty="0"/>
+              <a:t>The first purpose of GPSO which is to aggregate important parameters and to generalize important variants is completed with the general form of velocity update rule but the second purpose which is to balance the two PSO properties such as exploration and exploitation is reached at moderate rate although experimental results showed that GPSO and probabilistic GPSO are better than basic PSO due to combination of local best topology and global best topology along with definition of probabilistic constriction coefficient which proved improvement of global convergence. The reason of balance at moderate rate is that dynamic topology in GPSO is supported indirectly via general form of velocity update rule, which is impractical because researchers must modify source code of GPSO in order to define dynamic topology.</a:t>
+            </a:r>
+          </a:p>
+          <a:p>
+            <a:r>
+              <a:rPr lang="en-US" sz="2100" dirty="0"/>
+              <a:t>Moreover, premature problem is solved by many other solutions such as dynamic topology, change of fitness function, adaptation (tuning coefficients, adding particles, removing particles, changing particle properties), and diversity control over iterations. </a:t>
+            </a:r>
+            <a:r>
+              <a:rPr lang="en-US" sz="2100" dirty="0">
+                <a:effectLst/>
+                <a:latin typeface="Times" panose="02020603050405020304" pitchFamily="18" charset="0"/>
+                <a:ea typeface="SimSun" panose="02010600030101010101" pitchFamily="2" charset="-122"/>
+                <a:cs typeface="Times New Roman" panose="02020603050405020304" pitchFamily="18" charset="0"/>
+              </a:rPr>
+              <a:t>In future trend, I will implement dynamic solutions with support of other evolutionary algorithms like artificial bee colony algorithm and genetic algorithm. Moreover, I will research how to apply PSO into learning neural network.</a:t>
+            </a:r>
+            <a:r>
+              <a:rPr lang="en-US" sz="2100" dirty="0"/>
+              <a:t>.</a:t>
             </a:r>
           </a:p>
         </p:txBody>
       </p:sp>
       <p:sp>
         <p:nvSpPr>
-          <p:cNvPr id="4" name="Slide Number Placeholder 3"/>
+          <p:cNvPr id="4" name="Date Placeholder 3"/>
+          <p:cNvSpPr>
+            <a:spLocks noGrp="1"/>
+          </p:cNvSpPr>
+          <p:nvPr>
+            <p:ph type="dt" sz="half" idx="10"/>
+          </p:nvPr>
+        </p:nvSpPr>
+        <p:spPr/>
+        <p:txBody>
+          <a:bodyPr/>
+          <a:lstStyle/>
+          <a:p>
+            <a:r>
+              <a:rPr lang="en-US"/>
+              <a:t>20/10/2022</a:t>
+            </a:r>
+          </a:p>
+        </p:txBody>
+      </p:sp>
+      <p:sp>
+        <p:nvSpPr>
+          <p:cNvPr id="5" name="Footer Placeholder 4"/>
+          <p:cNvSpPr>
+            <a:spLocks noGrp="1"/>
+          </p:cNvSpPr>
+          <p:nvPr>
+            <p:ph type="ftr" sz="quarter" idx="11"/>
+          </p:nvPr>
+        </p:nvSpPr>
+        <p:spPr/>
+        <p:txBody>
+          <a:bodyPr/>
+          <a:lstStyle/>
+          <a:p>
+            <a:r>
+              <a:rPr lang="en-US"/>
+              <a:t>A general framework of PSO - Loc Nguyen - FTC2022</a:t>
+            </a:r>
+          </a:p>
+        </p:txBody>
+      </p:sp>
+      <p:sp>
+        <p:nvSpPr>
+          <p:cNvPr id="6" name="Slide Number Placeholder 5"/>
           <p:cNvSpPr>
             <a:spLocks noGrp="1"/>
           </p:cNvSpPr>
@@ -15282,54 +15381,10 @@
           </a:p>
         </p:txBody>
       </p:sp>
-      <p:sp>
-        <p:nvSpPr>
-          <p:cNvPr id="3" name="Footer Placeholder 2"/>
-          <p:cNvSpPr>
-            <a:spLocks noGrp="1"/>
-          </p:cNvSpPr>
-          <p:nvPr>
-            <p:ph type="ftr" sz="quarter" idx="11"/>
-          </p:nvPr>
-        </p:nvSpPr>
-        <p:spPr/>
-        <p:txBody>
-          <a:bodyPr/>
-          <a:lstStyle/>
-          <a:p>
-            <a:r>
-              <a:rPr lang="en-US"/>
-              <a:t>A general framework of PSO - Loc Nguyen - VIT</a:t>
-            </a:r>
-          </a:p>
-        </p:txBody>
-      </p:sp>
-      <p:sp>
-        <p:nvSpPr>
-          <p:cNvPr id="5" name="Date Placeholder 4"/>
-          <p:cNvSpPr>
-            <a:spLocks noGrp="1"/>
-          </p:cNvSpPr>
-          <p:nvPr>
-            <p:ph type="dt" sz="half" idx="10"/>
-          </p:nvPr>
-        </p:nvSpPr>
-        <p:spPr/>
-        <p:txBody>
-          <a:bodyPr/>
-          <a:lstStyle/>
-          <a:p>
-            <a:r>
-              <a:rPr lang="en-US"/>
-              <a:t>20/03/2021</a:t>
-            </a:r>
-          </a:p>
-        </p:txBody>
-      </p:sp>
     </p:spTree>
     <p:extLst>
       <p:ext uri="{BB962C8B-B14F-4D97-AF65-F5344CB8AC3E}">
-        <p14:creationId xmlns:p14="http://schemas.microsoft.com/office/powerpoint/2010/main" val="1326608893"/>
+        <p14:creationId xmlns:p14="http://schemas.microsoft.com/office/powerpoint/2010/main" val="3414256873"/>
       </p:ext>
     </p:extLst>
   </p:cSld>
@@ -15487,7 +15542,7 @@
           <a:p>
             <a:r>
               <a:rPr lang="en-US"/>
-              <a:t>20/03/2021</a:t>
+              <a:t>20/10/2022</a:t>
             </a:r>
           </a:p>
         </p:txBody>
@@ -15509,7 +15564,7 @@
           <a:p>
             <a:r>
               <a:rPr lang="en-US"/>
-              <a:t>A general framework of PSO - Loc Nguyen - VIT</a:t>
+              <a:t>A general framework of PSO - Loc Nguyen - FTC2022</a:t>
             </a:r>
           </a:p>
         </p:txBody>
@@ -15542,6 +15597,134 @@
     <p:extLst>
       <p:ext uri="{BB962C8B-B14F-4D97-AF65-F5344CB8AC3E}">
         <p14:creationId xmlns:p14="http://schemas.microsoft.com/office/powerpoint/2010/main" val="1065549049"/>
+      </p:ext>
+    </p:extLst>
+  </p:cSld>
+  <p:clrMapOvr>
+    <a:masterClrMapping/>
+  </p:clrMapOvr>
+</p:sld>
+</file>
+
+<file path=ppt/slides/slide23.xml><?xml version="1.0" encoding="utf-8"?>
+<p:sld xmlns:a="http://schemas.openxmlformats.org/drawingml/2006/main" xmlns:r="http://schemas.openxmlformats.org/officeDocument/2006/relationships" xmlns:p="http://schemas.openxmlformats.org/presentationml/2006/main">
+  <p:cSld>
+    <p:spTree>
+      <p:nvGrpSpPr>
+        <p:cNvPr id="1" name=""/>
+        <p:cNvGrpSpPr/>
+        <p:nvPr/>
+      </p:nvGrpSpPr>
+      <p:grpSpPr>
+        <a:xfrm>
+          <a:off x="0" y="0"/>
+          <a:ext cx="0" cy="0"/>
+          <a:chOff x="0" y="0"/>
+          <a:chExt cx="0" cy="0"/>
+        </a:xfrm>
+      </p:grpSpPr>
+      <p:sp>
+        <p:nvSpPr>
+          <p:cNvPr id="2" name="Title 1"/>
+          <p:cNvSpPr>
+            <a:spLocks noGrp="1"/>
+          </p:cNvSpPr>
+          <p:nvPr>
+            <p:ph type="title"/>
+          </p:nvPr>
+        </p:nvSpPr>
+        <p:spPr>
+          <a:xfrm>
+            <a:off x="838200" y="2748159"/>
+            <a:ext cx="10515600" cy="660486"/>
+          </a:xfrm>
+        </p:spPr>
+        <p:txBody>
+          <a:bodyPr>
+            <a:noAutofit/>
+          </a:bodyPr>
+          <a:lstStyle/>
+          <a:p>
+            <a:pPr algn="ctr"/>
+            <a:r>
+              <a:rPr lang="en-US" sz="5000" dirty="0"/>
+              <a:t>Thank you for attention</a:t>
+            </a:r>
+          </a:p>
+        </p:txBody>
+      </p:sp>
+      <p:sp>
+        <p:nvSpPr>
+          <p:cNvPr id="4" name="Slide Number Placeholder 3"/>
+          <p:cNvSpPr>
+            <a:spLocks noGrp="1"/>
+          </p:cNvSpPr>
+          <p:nvPr>
+            <p:ph type="sldNum" sz="quarter" idx="12"/>
+          </p:nvPr>
+        </p:nvSpPr>
+        <p:spPr/>
+        <p:txBody>
+          <a:bodyPr/>
+          <a:lstStyle/>
+          <a:p>
+            <a:fld id="{5DB5036F-1FF2-46C4-8D2B-59C7E3B91952}" type="slidenum">
+              <a:rPr lang="en-US" smtClean="0"/>
+              <a:pPr/>
+              <a:t>23</a:t>
+            </a:fld>
+            <a:endParaRPr lang="en-US"/>
+          </a:p>
+        </p:txBody>
+      </p:sp>
+      <p:sp>
+        <p:nvSpPr>
+          <p:cNvPr id="3" name="Footer Placeholder 2"/>
+          <p:cNvSpPr>
+            <a:spLocks noGrp="1"/>
+          </p:cNvSpPr>
+          <p:nvPr>
+            <p:ph type="ftr" sz="quarter" idx="11"/>
+          </p:nvPr>
+        </p:nvSpPr>
+        <p:spPr/>
+        <p:txBody>
+          <a:bodyPr/>
+          <a:lstStyle/>
+          <a:p>
+            <a:r>
+              <a:rPr lang="en-US"/>
+              <a:t>A general framework of PSO - Loc Nguyen - FTC2022</a:t>
+            </a:r>
+          </a:p>
+        </p:txBody>
+      </p:sp>
+      <p:sp>
+        <p:nvSpPr>
+          <p:cNvPr id="5" name="Date Placeholder 4"/>
+          <p:cNvSpPr>
+            <a:spLocks noGrp="1"/>
+          </p:cNvSpPr>
+          <p:nvPr>
+            <p:ph type="dt" sz="half" idx="10"/>
+          </p:nvPr>
+        </p:nvSpPr>
+        <p:spPr/>
+        <p:txBody>
+          <a:bodyPr/>
+          <a:lstStyle/>
+          <a:p>
+            <a:r>
+              <a:rPr lang="en-US"/>
+              <a:t>20/10/2022</a:t>
+            </a:r>
+          </a:p>
+        </p:txBody>
+      </p:sp>
+    </p:spTree>
+    <p:extLst>
+      <p:ext uri="{BB962C8B-B14F-4D97-AF65-F5344CB8AC3E}">
+        <p14:creationId xmlns:p14="http://schemas.microsoft.com/office/powerpoint/2010/main" val="1326608893"/>
       </p:ext>
     </p:extLst>
   </p:cSld>
@@ -15687,7 +15870,7 @@
           <a:p>
             <a:r>
               <a:rPr lang="en-US"/>
-              <a:t>A general framework of PSO - Loc Nguyen - VIT</a:t>
+              <a:t>A general framework of PSO - Loc Nguyen - FTC2022</a:t>
             </a:r>
           </a:p>
         </p:txBody>
@@ -15709,7 +15892,7 @@
           <a:p>
             <a:r>
               <a:rPr lang="en-US"/>
-              <a:t>20/03/2021</a:t>
+              <a:t>20/10/2022</a:t>
             </a:r>
           </a:p>
         </p:txBody>
@@ -16069,7 +16252,7 @@
           <a:p>
             <a:r>
               <a:rPr lang="en-US"/>
-              <a:t>20/03/2021</a:t>
+              <a:t>20/10/2022</a:t>
             </a:r>
           </a:p>
         </p:txBody>
@@ -16091,7 +16274,7 @@
           <a:p>
             <a:r>
               <a:rPr lang="en-US"/>
-              <a:t>A general framework of PSO - Loc Nguyen - VIT</a:t>
+              <a:t>A general framework of PSO - Loc Nguyen - FTC2022</a:t>
             </a:r>
           </a:p>
         </p:txBody>
@@ -16973,7 +17156,7 @@
           <a:p>
             <a:r>
               <a:rPr lang="en-US"/>
-              <a:t>20/03/2021</a:t>
+              <a:t>20/10/2022</a:t>
             </a:r>
           </a:p>
         </p:txBody>
@@ -17001,7 +17184,7 @@
           <a:p>
             <a:r>
               <a:rPr lang="en-US"/>
-              <a:t>A general framework of PSO - Loc Nguyen - VIT</a:t>
+              <a:t>A general framework of PSO - Loc Nguyen - FTC2022</a:t>
             </a:r>
           </a:p>
         </p:txBody>
@@ -17965,7 +18148,7 @@
           <a:p>
             <a:r>
               <a:rPr lang="en-US"/>
-              <a:t>20/03/2021</a:t>
+              <a:t>20/10/2022</a:t>
             </a:r>
           </a:p>
         </p:txBody>
@@ -17993,7 +18176,7 @@
           <a:p>
             <a:r>
               <a:rPr lang="en-US"/>
-              <a:t>A general framework of PSO - Loc Nguyen - VIT</a:t>
+              <a:t>A general framework of PSO - Loc Nguyen - FTC2022</a:t>
             </a:r>
           </a:p>
         </p:txBody>
@@ -18267,7 +18450,7 @@
           <a:p>
             <a:r>
               <a:rPr lang="en-US"/>
-              <a:t>20/03/2021</a:t>
+              <a:t>20/10/2022</a:t>
             </a:r>
           </a:p>
         </p:txBody>
@@ -18295,7 +18478,7 @@
           <a:p>
             <a:r>
               <a:rPr lang="en-US"/>
-              <a:t>A general framework of PSO - Loc Nguyen - VIT</a:t>
+              <a:t>A general framework of PSO - Loc Nguyen - FTC2022</a:t>
             </a:r>
           </a:p>
         </p:txBody>
@@ -19120,7 +19303,7 @@
           <a:p>
             <a:r>
               <a:rPr lang="en-US"/>
-              <a:t>20/03/2021</a:t>
+              <a:t>20/10/2022</a:t>
             </a:r>
           </a:p>
         </p:txBody>
@@ -19148,7 +19331,7 @@
           <a:p>
             <a:r>
               <a:rPr lang="en-US"/>
-              <a:t>A general framework of PSO - Loc Nguyen - VIT</a:t>
+              <a:t>A general framework of PSO - Loc Nguyen - FTC2022</a:t>
             </a:r>
           </a:p>
         </p:txBody>
@@ -19789,7 +19972,7 @@
           <a:p>
             <a:r>
               <a:rPr lang="en-US"/>
-              <a:t>20/03/2021</a:t>
+              <a:t>20/10/2022</a:t>
             </a:r>
           </a:p>
         </p:txBody>
@@ -19817,7 +20000,7 @@
           <a:p>
             <a:r>
               <a:rPr lang="en-US"/>
-              <a:t>A general framework of PSO - Loc Nguyen - VIT</a:t>
+              <a:t>A general framework of PSO - Loc Nguyen - FTC2022</a:t>
             </a:r>
           </a:p>
         </p:txBody>

--- a/2_design/pso/GeneralPSO.pptx
+++ b/2_design/pso/GeneralPSO.pptx
@@ -222,7 +222,7 @@
           <a:p>
             <a:fld id="{8E6BD8EF-833A-4756-9DE8-262172883D9B}" type="datetimeFigureOut">
               <a:rPr lang="en-US" smtClean="0"/>
-              <a:t>28/05/2022</a:t>
+              <a:t>22/07/2022</a:t>
             </a:fld>
             <a:endParaRPr lang="en-US"/>
           </a:p>
@@ -8594,7 +8594,7 @@
           <a:p>
             <a:r>
               <a:rPr lang="en-US" dirty="0"/>
-              <a:t>Therefore, I propose a general framework of PSO in next section which aims to balance the exploration and the exploitation.</a:t>
+              <a:t>Therefore, we propose a general framework of PSO in next section which aims to balance the exploration and the exploitation.</a:t>
             </a:r>
           </a:p>
         </p:txBody>
@@ -10169,7 +10169,7 @@
             </a:r>
             <a:r>
               <a:rPr lang="en-US" dirty="0"/>
-              <a:t>. Based on this valuable knowledge, I tune constriction parameter </a:t>
+              <a:t>. Based on this valuable knowledge, we tune constriction parameter </a:t>
             </a:r>
             <a:r>
               <a:rPr lang="en-US" i="1" dirty="0"/>
@@ -14957,7 +14957,7 @@
             </a:pPr>
             <a:r>
               <a:rPr lang="en-US" dirty="0"/>
-              <a:t>Particle swarm optimization (PSO) is an effective algorithm to solve the optimization problem in case that derivative of target function is inexistent or difficult to be determined. Because PSO has many parameters and variants, I propose a general framework of PSO called GPSO which aggregates important parameters and generalizes important variants so that researchers can customize PSO easily. Moreover, two main properties of PSO are exploration and exploitation. The exploration property aims to avoid premature converging so as to reach global optimal solution whereas the exploitation property aims to motivate PSO to converge as fast as possible. These two aspects are equally important. Therefore, GPSO also aims to balance the exploration and the exploitation. It is expected that GPSO supports users to tune parameters for not only solving premature problem but also fast convergence.</a:t>
+              <a:t>Particle swarm optimization (PSO) is an effective algorithm to solve the optimization problem in case that derivative of target function is inexistent or difficult to be determined. Because PSO has many parameters and variants, we propose a general framework of PSO called GPSO which aggregates important parameters and generalizes important variants so that researchers can customize PSO easily. Moreover, two main properties of PSO are exploration and exploitation. The exploration property aims to avoid premature converging so as to reach global optimal solution whereas the exploitation property aims to motivate PSO to converge as fast as possible. These two aspects are equally important. Therefore, GPSO also aims to balance the exploration and the exploitation. It is expected that GPSO supports users to tune parameters for not only solving premature problem but also fast convergence.</a:t>
             </a:r>
           </a:p>
         </p:txBody>
@@ -15304,7 +15304,25 @@
                 <a:ea typeface="SimSun" panose="02010600030101010101" pitchFamily="2" charset="-122"/>
                 <a:cs typeface="Times New Roman" panose="02020603050405020304" pitchFamily="18" charset="0"/>
               </a:rPr>
-              <a:t>In future trend, I will implement dynamic solutions with support of other evolutionary algorithms like artificial bee colony algorithm and genetic algorithm. Moreover, I will research how to apply PSO into learning neural network.</a:t>
+              <a:t>In future trend, we will implement dynamic solutions with support of other evolutionary algorithms like artificial bee colony algorithm and genetic algorithm. Moreover</a:t>
+            </a:r>
+            <a:r>
+              <a:rPr lang="en-US" sz="2100">
+                <a:effectLst/>
+                <a:latin typeface="Times" panose="02020603050405020304" pitchFamily="18" charset="0"/>
+                <a:ea typeface="SimSun" panose="02010600030101010101" pitchFamily="2" charset="-122"/>
+                <a:cs typeface="Times New Roman" panose="02020603050405020304" pitchFamily="18" charset="0"/>
+              </a:rPr>
+              <a:t>, we </a:t>
+            </a:r>
+            <a:r>
+              <a:rPr lang="en-US" sz="2100" dirty="0">
+                <a:effectLst/>
+                <a:latin typeface="Times" panose="02020603050405020304" pitchFamily="18" charset="0"/>
+                <a:ea typeface="SimSun" panose="02010600030101010101" pitchFamily="2" charset="-122"/>
+                <a:cs typeface="Times New Roman" panose="02020603050405020304" pitchFamily="18" charset="0"/>
+              </a:rPr>
+              <a:t>will research how to apply PSO into learning neural network.</a:t>
             </a:r>
             <a:r>
               <a:rPr lang="en-US" sz="2100" dirty="0"/>
